--- a/_SLIDES/2020_DEEL1/H5- Beslissingen/H5_beslissingen deel 2_switch_enum.pptx
+++ b/_SLIDES/2020_DEEL1/H5- Beslissingen/H5_beslissingen deel 2_switch_enum.pptx
@@ -5,7 +5,7 @@
     <p:sldMasterId id="2147483660" r:id="rId1"/>
   </p:sldMasterIdLst>
   <p:notesMasterIdLst>
-    <p:notesMasterId r:id="rId37"/>
+    <p:notesMasterId r:id="rId38"/>
   </p:notesMasterIdLst>
   <p:sldIdLst>
     <p:sldId id="317" r:id="rId2"/>
@@ -43,41 +43,42 @@
     <p:sldId id="266" r:id="rId34"/>
     <p:sldId id="267" r:id="rId35"/>
     <p:sldId id="268" r:id="rId36"/>
+    <p:sldId id="338" r:id="rId37"/>
   </p:sldIdLst>
   <p:sldSz cx="12192000" cy="6858000"/>
   <p:notesSz cx="6858000" cy="9144000"/>
   <p:embeddedFontLst>
     <p:embeddedFont>
-      <p:font typeface="Archivo Narrow" panose="020B0506020202020B04" pitchFamily="34" charset="0"/>
-      <p:regular r:id="rId38"/>
-      <p:bold r:id="rId39"/>
-      <p:italic r:id="rId40"/>
+      <p:font typeface="Archivo Narrow" panose="020B0604020202020204" charset="0"/>
+      <p:regular r:id="rId39"/>
+      <p:bold r:id="rId40"/>
+      <p:italic r:id="rId41"/>
     </p:embeddedFont>
     <p:embeddedFont>
-      <p:font typeface="Blogger Sans" panose="02000506030000020004" pitchFamily="50" charset="0"/>
-      <p:regular r:id="rId41"/>
-      <p:bold r:id="rId42"/>
+      <p:font typeface="Blogger Sans" panose="02000506030000020004" charset="0"/>
+      <p:regular r:id="rId42"/>
+      <p:bold r:id="rId43"/>
     </p:embeddedFont>
     <p:embeddedFont>
       <p:font typeface="Calibri" panose="020F0502020204030204" pitchFamily="34" charset="0"/>
-      <p:regular r:id="rId43"/>
-      <p:bold r:id="rId44"/>
-      <p:italic r:id="rId45"/>
-      <p:boldItalic r:id="rId46"/>
+      <p:regular r:id="rId44"/>
+      <p:bold r:id="rId45"/>
+      <p:italic r:id="rId46"/>
+      <p:boldItalic r:id="rId47"/>
     </p:embeddedFont>
     <p:embeddedFont>
       <p:font typeface="Consolas" panose="020B0609020204030204" pitchFamily="49" charset="0"/>
-      <p:regular r:id="rId47"/>
-      <p:bold r:id="rId48"/>
-      <p:italic r:id="rId49"/>
-      <p:boldItalic r:id="rId50"/>
+      <p:regular r:id="rId48"/>
+      <p:bold r:id="rId49"/>
+      <p:italic r:id="rId50"/>
+      <p:boldItalic r:id="rId51"/>
     </p:embeddedFont>
     <p:embeddedFont>
       <p:font typeface="Times" panose="02020603050405020304" pitchFamily="18" charset="0"/>
-      <p:regular r:id="rId51"/>
-      <p:bold r:id="rId52"/>
-      <p:italic r:id="rId53"/>
-      <p:boldItalic r:id="rId54"/>
+      <p:regular r:id="rId52"/>
+      <p:bold r:id="rId53"/>
+      <p:italic r:id="rId54"/>
+      <p:boldItalic r:id="rId55"/>
     </p:embeddedFont>
   </p:embeddedFontLst>
   <p:defaultTextStyle>
@@ -3103,7 +3104,7 @@
           <a:p>
             <a:fld id="{AAB1E9D1-C262-4CF5-AED2-7DBFF7C74527}" type="datetimeFigureOut">
               <a:rPr lang="nl-BE" smtClean="0"/>
-              <a:t>30/09/2020</a:t>
+              <a:t>2/05/2023</a:t>
             </a:fld>
             <a:endParaRPr lang="nl-BE"/>
           </a:p>
@@ -3626,7 +3627,7 @@
           <a:p>
             <a:fld id="{0ACA1FBD-47B4-4488-BD47-6CB0720E0297}" type="datetime1">
               <a:rPr lang="nl-BE" smtClean="0"/>
-              <a:t>30/09/2020</a:t>
+              <a:t>2/05/2023</a:t>
             </a:fld>
             <a:endParaRPr lang="nl-BE"/>
           </a:p>
@@ -3654,8 +3655,8 @@
           <a:lstStyle/>
           <a:p>
             <a:r>
-              <a:rPr lang="nl-BE"/>
-              <a:t>Ziescherp</a:t>
+              <a:rPr lang="nl-BE" dirty="0"/>
+              <a:t>Zie Scherp Scherper</a:t>
             </a:r>
           </a:p>
         </p:txBody>
@@ -3922,7 +3923,7 @@
           <a:p>
             <a:fld id="{D3E55A25-578D-4EF4-A255-25FDA8829775}" type="datetime1">
               <a:rPr lang="nl-BE" smtClean="0"/>
-              <a:t>30/09/2020</a:t>
+              <a:t>2/05/2023</a:t>
             </a:fld>
             <a:endParaRPr lang="nl-BE"/>
           </a:p>
@@ -3950,8 +3951,8 @@
           <a:lstStyle/>
           <a:p>
             <a:r>
-              <a:rPr lang="nl-BE"/>
-              <a:t>Ziescherp</a:t>
+              <a:rPr lang="nl-BE" dirty="0"/>
+              <a:t>Zie Scherp Scherper</a:t>
             </a:r>
           </a:p>
         </p:txBody>
@@ -4135,7 +4136,7 @@
           <a:p>
             <a:fld id="{6B22F963-C8FA-48C7-A082-346FA433759F}" type="datetime1">
               <a:rPr lang="nl-BE" smtClean="0"/>
-              <a:t>30/09/2020</a:t>
+              <a:t>2/05/2023</a:t>
             </a:fld>
             <a:endParaRPr lang="nl-BE"/>
           </a:p>
@@ -4163,8 +4164,8 @@
           <a:lstStyle/>
           <a:p>
             <a:r>
-              <a:rPr lang="nl-BE"/>
-              <a:t>Ziescherp</a:t>
+              <a:rPr lang="nl-BE" dirty="0"/>
+              <a:t>Zie Scherp Scherper</a:t>
             </a:r>
           </a:p>
         </p:txBody>
@@ -4368,7 +4369,7 @@
           <a:p>
             <a:fld id="{0262BAC2-6684-4A11-9F7A-0B6154F36F6E}" type="datetime1">
               <a:rPr lang="nl-BE" smtClean="0"/>
-              <a:t>30/09/2020</a:t>
+              <a:t>2/05/2023</a:t>
             </a:fld>
             <a:endParaRPr lang="nl-BE"/>
           </a:p>
@@ -4396,8 +4397,8 @@
           <a:lstStyle/>
           <a:p>
             <a:r>
-              <a:rPr lang="nl-BE"/>
-              <a:t>Ziescherp</a:t>
+              <a:rPr lang="nl-BE" dirty="0"/>
+              <a:t>Zie Scherp Scherper</a:t>
             </a:r>
           </a:p>
         </p:txBody>
@@ -4647,7 +4648,7 @@
           <a:p>
             <a:fld id="{689A1FCF-51A9-4177-B492-1E8DB0E4A664}" type="datetime1">
               <a:rPr lang="nl-BE" smtClean="0"/>
-              <a:t>30/09/2020</a:t>
+              <a:t>2/05/2023</a:t>
             </a:fld>
             <a:endParaRPr lang="nl-BE"/>
           </a:p>
@@ -4675,8 +4676,8 @@
           <a:lstStyle/>
           <a:p>
             <a:r>
-              <a:rPr lang="nl-BE"/>
-              <a:t>Ziescherp</a:t>
+              <a:rPr lang="nl-BE" dirty="0"/>
+              <a:t>Zie Scherp Scherper</a:t>
             </a:r>
           </a:p>
         </p:txBody>
@@ -4918,7 +4919,7 @@
           <a:p>
             <a:fld id="{97D9AD4E-11A4-4C3C-B8A1-DEA1BE3C0057}" type="datetime1">
               <a:rPr lang="nl-BE" smtClean="0"/>
-              <a:t>30/09/2020</a:t>
+              <a:t>2/05/2023</a:t>
             </a:fld>
             <a:endParaRPr lang="nl-BE"/>
           </a:p>
@@ -4946,8 +4947,8 @@
           <a:lstStyle/>
           <a:p>
             <a:r>
-              <a:rPr lang="nl-BE"/>
-              <a:t>Ziescherp</a:t>
+              <a:rPr lang="nl-BE" dirty="0"/>
+              <a:t>Zie Scherp Scherper</a:t>
             </a:r>
           </a:p>
         </p:txBody>
@@ -5336,7 +5337,7 @@
           <a:p>
             <a:fld id="{9822E314-152D-4D03-8132-D8D5576A9F67}" type="datetime1">
               <a:rPr lang="nl-BE" smtClean="0"/>
-              <a:t>30/09/2020</a:t>
+              <a:t>2/05/2023</a:t>
             </a:fld>
             <a:endParaRPr lang="nl-BE"/>
           </a:p>
@@ -5364,8 +5365,8 @@
           <a:lstStyle/>
           <a:p>
             <a:r>
-              <a:rPr lang="nl-BE"/>
-              <a:t>Ziescherp</a:t>
+              <a:rPr lang="nl-BE" dirty="0"/>
+              <a:t>Zie Scherp Scherper</a:t>
             </a:r>
           </a:p>
         </p:txBody>
@@ -5481,7 +5482,7 @@
           <a:p>
             <a:fld id="{147DF889-4B31-4580-AE99-CD5E3DD38E85}" type="datetime1">
               <a:rPr lang="nl-BE" smtClean="0"/>
-              <a:t>30/09/2020</a:t>
+              <a:t>2/05/2023</a:t>
             </a:fld>
             <a:endParaRPr lang="nl-BE"/>
           </a:p>
@@ -5509,8 +5510,8 @@
           <a:lstStyle/>
           <a:p>
             <a:r>
-              <a:rPr lang="nl-BE"/>
-              <a:t>Ziescherp</a:t>
+              <a:rPr lang="nl-BE" dirty="0"/>
+              <a:t>Zie Scherp Scherper</a:t>
             </a:r>
           </a:p>
         </p:txBody>
@@ -5597,7 +5598,7 @@
           <a:p>
             <a:fld id="{03A85496-3DD3-4715-AC6C-0464B99FE0D5}" type="datetime1">
               <a:rPr lang="nl-BE" smtClean="0"/>
-              <a:t>30/09/2020</a:t>
+              <a:t>2/05/2023</a:t>
             </a:fld>
             <a:endParaRPr lang="nl-BE"/>
           </a:p>
@@ -5625,8 +5626,8 @@
           <a:lstStyle/>
           <a:p>
             <a:r>
-              <a:rPr lang="nl-BE"/>
-              <a:t>Ziescherp</a:t>
+              <a:rPr lang="nl-BE" dirty="0"/>
+              <a:t>Zie Scherp Scherper</a:t>
             </a:r>
           </a:p>
         </p:txBody>
@@ -5913,7 +5914,7 @@
           <a:p>
             <a:fld id="{062779EC-CAE5-4013-AF76-2490B23BEE38}" type="datetime1">
               <a:rPr lang="nl-BE" smtClean="0"/>
-              <a:t>30/09/2020</a:t>
+              <a:t>2/05/2023</a:t>
             </a:fld>
             <a:endParaRPr lang="nl-BE"/>
           </a:p>
@@ -5941,8 +5942,8 @@
           <a:lstStyle/>
           <a:p>
             <a:r>
-              <a:rPr lang="nl-BE"/>
-              <a:t>Ziescherp</a:t>
+              <a:rPr lang="nl-BE" dirty="0"/>
+              <a:t>Zie Scherp Scherper</a:t>
             </a:r>
           </a:p>
         </p:txBody>
@@ -6209,7 +6210,7 @@
           <a:p>
             <a:fld id="{66C2C1E5-529C-4911-9410-7F5F8FCA025F}" type="datetime1">
               <a:rPr lang="nl-BE" smtClean="0"/>
-              <a:t>30/09/2020</a:t>
+              <a:t>2/05/2023</a:t>
             </a:fld>
             <a:endParaRPr lang="nl-BE"/>
           </a:p>
@@ -6237,8 +6238,8 @@
           <a:lstStyle/>
           <a:p>
             <a:r>
-              <a:rPr lang="nl-BE"/>
-              <a:t>Ziescherp</a:t>
+              <a:rPr lang="nl-BE" dirty="0"/>
+              <a:t>Zie Scherp Scherper</a:t>
             </a:r>
           </a:p>
         </p:txBody>
@@ -6455,7 +6456,7 @@
           <a:p>
             <a:fld id="{8F6EBE83-D496-476B-ADE5-7778F30A3C38}" type="datetime1">
               <a:rPr lang="nl-BE" smtClean="0"/>
-              <a:t>30/09/2020</a:t>
+              <a:t>2/05/2023</a:t>
             </a:fld>
             <a:endParaRPr lang="nl-BE"/>
           </a:p>
@@ -6501,8 +6502,8 @@
           </a:lstStyle>
           <a:p>
             <a:r>
-              <a:rPr lang="nl-BE"/>
-              <a:t>Ziescherp</a:t>
+              <a:rPr lang="nl-BE" dirty="0"/>
+              <a:t>Zie Scherp Scherper</a:t>
             </a:r>
           </a:p>
         </p:txBody>
@@ -7057,8 +7058,8 @@
           <a:lstStyle/>
           <a:p>
             <a:r>
-              <a:rPr lang="nl-BE"/>
-              <a:t>Ziescherp</a:t>
+              <a:rPr lang="nl-BE" dirty="0"/>
+              <a:t>Zie Scherp Scherper</a:t>
             </a:r>
           </a:p>
         </p:txBody>
@@ -7226,8 +7227,8 @@
           <a:lstStyle/>
           <a:p>
             <a:r>
-              <a:rPr lang="nl-BE"/>
-              <a:t>Ziescherp</a:t>
+              <a:rPr lang="nl-BE" dirty="0"/>
+              <a:t>Zie Scherp Scherper</a:t>
             </a:r>
           </a:p>
         </p:txBody>
@@ -7363,8 +7364,8 @@
           <a:lstStyle/>
           <a:p>
             <a:r>
-              <a:rPr lang="nl-BE"/>
-              <a:t>Ziescherp</a:t>
+              <a:rPr lang="nl-BE" dirty="0"/>
+              <a:t>Zie Scherp Scherper</a:t>
             </a:r>
           </a:p>
         </p:txBody>
@@ -7511,8 +7512,8 @@
           <a:lstStyle/>
           <a:p>
             <a:r>
-              <a:rPr lang="nl-BE"/>
-              <a:t>Ziescherp</a:t>
+              <a:rPr lang="nl-BE" dirty="0"/>
+              <a:t>Zie Scherp Scherper</a:t>
             </a:r>
           </a:p>
         </p:txBody>
@@ -7726,8 +7727,8 @@
           <a:lstStyle/>
           <a:p>
             <a:r>
-              <a:rPr lang="nl-BE"/>
-              <a:t>Ziescherp</a:t>
+              <a:rPr lang="nl-BE" dirty="0"/>
+              <a:t>Zie Scherp Scherper</a:t>
             </a:r>
           </a:p>
         </p:txBody>
@@ -8028,8 +8029,8 @@
           <a:lstStyle/>
           <a:p>
             <a:r>
-              <a:rPr lang="nl-BE"/>
-              <a:t>Ziescherp</a:t>
+              <a:rPr lang="nl-BE" dirty="0"/>
+              <a:t>Zie Scherp Scherper</a:t>
             </a:r>
           </a:p>
         </p:txBody>
@@ -8357,8 +8358,8 @@
           <a:lstStyle/>
           <a:p>
             <a:r>
-              <a:rPr lang="nl-BE"/>
-              <a:t>Ziescherp</a:t>
+              <a:rPr lang="nl-BE" dirty="0"/>
+              <a:t>Zie Scherp Scherper</a:t>
             </a:r>
           </a:p>
         </p:txBody>
@@ -8535,8 +8536,8 @@
           <a:lstStyle/>
           <a:p>
             <a:r>
-              <a:rPr lang="nl-BE"/>
-              <a:t>Ziescherp</a:t>
+              <a:rPr lang="nl-BE" dirty="0"/>
+              <a:t>Zie Scherp Scherper</a:t>
             </a:r>
           </a:p>
         </p:txBody>
@@ -8772,8 +8773,8 @@
           <a:lstStyle/>
           <a:p>
             <a:r>
-              <a:rPr lang="nl-BE"/>
-              <a:t>Ziescherp</a:t>
+              <a:rPr lang="nl-BE" dirty="0"/>
+              <a:t>Zie Scherp Scherper</a:t>
             </a:r>
           </a:p>
         </p:txBody>
@@ -9489,8 +9490,8 @@
           <a:lstStyle/>
           <a:p>
             <a:r>
-              <a:rPr lang="nl-BE"/>
-              <a:t>Ziescherp</a:t>
+              <a:rPr lang="nl-BE" dirty="0"/>
+              <a:t>Zie Scherp Scherper</a:t>
             </a:r>
           </a:p>
         </p:txBody>
@@ -9626,8 +9627,8 @@
           <a:lstStyle/>
           <a:p>
             <a:r>
-              <a:rPr lang="nl-BE"/>
-              <a:t>Ziescherp</a:t>
+              <a:rPr lang="nl-BE" dirty="0"/>
+              <a:t>Zie Scherp Scherper</a:t>
             </a:r>
           </a:p>
         </p:txBody>
@@ -9877,8 +9878,8 @@
           <a:lstStyle/>
           <a:p>
             <a:r>
-              <a:rPr lang="nl-BE"/>
-              <a:t>Ziescherp</a:t>
+              <a:rPr lang="nl-BE" dirty="0"/>
+              <a:t>Zie Scherp Scherper</a:t>
             </a:r>
           </a:p>
         </p:txBody>
@@ -10030,8 +10031,8 @@
           <a:lstStyle/>
           <a:p>
             <a:r>
-              <a:rPr lang="nl-BE"/>
-              <a:t>Ziescherp</a:t>
+              <a:rPr lang="nl-BE" dirty="0"/>
+              <a:t>Zie Scherp Scherper</a:t>
             </a:r>
           </a:p>
         </p:txBody>
@@ -10316,8 +10317,8 @@
           <a:lstStyle/>
           <a:p>
             <a:r>
-              <a:rPr lang="nl-BE"/>
-              <a:t>Ziescherp</a:t>
+              <a:rPr lang="nl-BE" dirty="0"/>
+              <a:t>Zie Scherp Scherper</a:t>
             </a:r>
           </a:p>
         </p:txBody>
@@ -10490,8 +10491,8 @@
           <a:lstStyle/>
           <a:p>
             <a:r>
-              <a:rPr lang="nl-BE"/>
-              <a:t>Ziescherp</a:t>
+              <a:rPr lang="nl-BE" dirty="0"/>
+              <a:t>Zie Scherp Scherper</a:t>
             </a:r>
           </a:p>
         </p:txBody>
@@ -10951,8 +10952,8 @@
           <a:lstStyle/>
           <a:p>
             <a:r>
-              <a:rPr lang="nl-BE"/>
-              <a:t>Ziescherp</a:t>
+              <a:rPr lang="nl-BE" dirty="0"/>
+              <a:t>Zie Scherp Scherper</a:t>
             </a:r>
           </a:p>
         </p:txBody>
@@ -11277,8 +11278,8 @@
           <a:lstStyle/>
           <a:p>
             <a:r>
-              <a:rPr lang="nl-BE"/>
-              <a:t>Ziescherp</a:t>
+              <a:rPr lang="nl-BE" dirty="0"/>
+              <a:t>Zie Scherp Scherper</a:t>
             </a:r>
           </a:p>
         </p:txBody>
@@ -11657,8 +11658,8 @@
           <a:lstStyle/>
           <a:p>
             <a:r>
-              <a:rPr lang="nl-BE"/>
-              <a:t>Ziescherp</a:t>
+              <a:rPr lang="nl-BE" dirty="0"/>
+              <a:t>Zie Scherp Scherper</a:t>
             </a:r>
           </a:p>
         </p:txBody>
@@ -12267,8 +12268,8 @@
           <a:lstStyle/>
           <a:p>
             <a:r>
-              <a:rPr lang="nl-BE"/>
-              <a:t>Ziescherp</a:t>
+              <a:rPr lang="nl-BE" dirty="0"/>
+              <a:t>Zie Scherp Scherper</a:t>
             </a:r>
           </a:p>
         </p:txBody>
@@ -12502,8 +12503,8 @@
           <a:lstStyle/>
           <a:p>
             <a:r>
-              <a:rPr lang="nl-BE"/>
-              <a:t>Ziescherp</a:t>
+              <a:rPr lang="nl-BE" dirty="0"/>
+              <a:t>Zie Scherp Scherper</a:t>
             </a:r>
           </a:p>
         </p:txBody>
@@ -12858,8 +12859,8 @@
           <a:lstStyle/>
           <a:p>
             <a:r>
-              <a:rPr lang="nl-BE"/>
-              <a:t>Ziescherp</a:t>
+              <a:rPr lang="nl-BE" dirty="0"/>
+              <a:t>Zie Scherp Scherper</a:t>
             </a:r>
           </a:p>
         </p:txBody>
@@ -13230,8 +13231,8 @@
           <a:lstStyle/>
           <a:p>
             <a:r>
-              <a:rPr lang="nl-BE"/>
-              <a:t>Ziescherp</a:t>
+              <a:rPr lang="nl-BE" dirty="0"/>
+              <a:t>Zie Scherp Scherper</a:t>
             </a:r>
           </a:p>
         </p:txBody>
@@ -13620,8 +13621,8 @@
           <a:lstStyle/>
           <a:p>
             <a:r>
-              <a:rPr lang="nl-BE"/>
-              <a:t>Ziescherp</a:t>
+              <a:rPr lang="nl-BE" dirty="0"/>
+              <a:t>Zie Scherp Scherper</a:t>
             </a:r>
           </a:p>
         </p:txBody>
@@ -14100,8 +14101,8 @@
           <a:lstStyle/>
           <a:p>
             <a:r>
-              <a:rPr lang="nl-BE"/>
-              <a:t>Ziescherp</a:t>
+              <a:rPr lang="nl-BE" dirty="0"/>
+              <a:t>Zie Scherp Scherper</a:t>
             </a:r>
           </a:p>
         </p:txBody>
@@ -14326,8 +14327,8 @@
           <a:lstStyle/>
           <a:p>
             <a:r>
-              <a:rPr lang="nl-BE"/>
-              <a:t>Ziescherp</a:t>
+              <a:rPr lang="nl-BE" dirty="0"/>
+              <a:t>Zie Scherp Scherper</a:t>
             </a:r>
           </a:p>
         </p:txBody>
@@ -14760,8 +14761,8 @@
           <a:lstStyle/>
           <a:p>
             <a:r>
-              <a:rPr lang="nl-BE"/>
-              <a:t>Ziescherp</a:t>
+              <a:rPr lang="nl-BE" dirty="0"/>
+              <a:t>Zie Scherp Scherper</a:t>
             </a:r>
           </a:p>
         </p:txBody>
@@ -15223,8 +15224,8 @@
           <a:lstStyle/>
           <a:p>
             <a:r>
-              <a:rPr lang="nl-BE"/>
-              <a:t>Ziescherp</a:t>
+              <a:rPr lang="nl-BE" dirty="0"/>
+              <a:t>Zie Scherp Scherper</a:t>
             </a:r>
           </a:p>
         </p:txBody>
@@ -15467,8 +15468,8 @@
           <a:lstStyle/>
           <a:p>
             <a:r>
-              <a:rPr lang="nl-BE"/>
-              <a:t>Ziescherp</a:t>
+              <a:rPr lang="nl-BE" dirty="0"/>
+              <a:t>Zie Scherp Scherper</a:t>
             </a:r>
           </a:p>
         </p:txBody>
@@ -15657,8 +15658,8 @@
           <a:lstStyle/>
           <a:p>
             <a:r>
-              <a:rPr lang="nl-BE"/>
-              <a:t>Ziescherp</a:t>
+              <a:rPr lang="nl-BE" dirty="0"/>
+              <a:t>Zie Scherp Scherper</a:t>
             </a:r>
           </a:p>
         </p:txBody>
@@ -15714,6 +15715,302 @@
     <p:extLst>
       <p:ext uri="{BB962C8B-B14F-4D97-AF65-F5344CB8AC3E}">
         <p14:creationId xmlns:p14="http://schemas.microsoft.com/office/powerpoint/2010/main" val="3352927936"/>
+      </p:ext>
+    </p:extLst>
+  </p:cSld>
+  <p:clrMapOvr>
+    <a:masterClrMapping/>
+  </p:clrMapOvr>
+</p:sld>
+</file>
+
+<file path=ppt/slides/slide36.xml><?xml version="1.0" encoding="utf-8"?>
+<p:sld xmlns:a="http://schemas.openxmlformats.org/drawingml/2006/main" xmlns:r="http://schemas.openxmlformats.org/officeDocument/2006/relationships" xmlns:p="http://schemas.openxmlformats.org/presentationml/2006/main">
+  <p:cSld>
+    <p:spTree>
+      <p:nvGrpSpPr>
+        <p:cNvPr id="1" name=""/>
+        <p:cNvGrpSpPr/>
+        <p:nvPr/>
+      </p:nvGrpSpPr>
+      <p:grpSpPr>
+        <a:xfrm>
+          <a:off x="0" y="0"/>
+          <a:ext cx="0" cy="0"/>
+          <a:chOff x="0" y="0"/>
+          <a:chExt cx="0" cy="0"/>
+        </a:xfrm>
+      </p:grpSpPr>
+      <p:sp>
+        <p:nvSpPr>
+          <p:cNvPr id="6" name="Rechthoek 5">
+            <a:extLst>
+              <a:ext uri="{FF2B5EF4-FFF2-40B4-BE49-F238E27FC236}">
+                <a16:creationId xmlns:a16="http://schemas.microsoft.com/office/drawing/2014/main" id="{C1CC89C1-DC1E-917B-D25E-69B5776D404F}"/>
+              </a:ext>
+            </a:extLst>
+          </p:cNvPr>
+          <p:cNvSpPr/>
+          <p:nvPr/>
+        </p:nvSpPr>
+        <p:spPr>
+          <a:xfrm>
+            <a:off x="838200" y="5085184"/>
+            <a:ext cx="10658400" cy="864096"/>
+          </a:xfrm>
+          <a:prstGeom prst="rect">
+            <a:avLst/>
+          </a:prstGeom>
+        </p:spPr>
+        <p:style>
+          <a:lnRef idx="2">
+            <a:schemeClr val="accent4">
+              <a:shade val="50000"/>
+            </a:schemeClr>
+          </a:lnRef>
+          <a:fillRef idx="1">
+            <a:schemeClr val="accent4"/>
+          </a:fillRef>
+          <a:effectRef idx="0">
+            <a:schemeClr val="accent4"/>
+          </a:effectRef>
+          <a:fontRef idx="minor">
+            <a:schemeClr val="lt1"/>
+          </a:fontRef>
+        </p:style>
+        <p:txBody>
+          <a:bodyPr rtlCol="0" anchor="ctr"/>
+          <a:lstStyle/>
+          <a:p>
+            <a:pPr algn="ctr"/>
+            <a:endParaRPr lang="nl-NL"/>
+          </a:p>
+        </p:txBody>
+      </p:sp>
+      <p:sp>
+        <p:nvSpPr>
+          <p:cNvPr id="2" name="Titel 1">
+            <a:extLst>
+              <a:ext uri="{FF2B5EF4-FFF2-40B4-BE49-F238E27FC236}">
+                <a16:creationId xmlns:a16="http://schemas.microsoft.com/office/drawing/2014/main" id="{6F8E1924-B892-8B5A-7836-BE57C96EF1D8}"/>
+              </a:ext>
+            </a:extLst>
+          </p:cNvPr>
+          <p:cNvSpPr>
+            <a:spLocks noGrp="1"/>
+          </p:cNvSpPr>
+          <p:nvPr>
+            <p:ph type="title"/>
+          </p:nvPr>
+        </p:nvSpPr>
+        <p:spPr/>
+        <p:txBody>
+          <a:bodyPr/>
+          <a:lstStyle/>
+          <a:p>
+            <a:r>
+              <a:rPr lang="en-US" dirty="0"/>
+              <a:t>Meer info</a:t>
+            </a:r>
+            <a:endParaRPr lang="nl-NL" dirty="0"/>
+          </a:p>
+        </p:txBody>
+      </p:sp>
+      <p:sp>
+        <p:nvSpPr>
+          <p:cNvPr id="3" name="Tijdelijke aanduiding voor inhoud 2">
+            <a:extLst>
+              <a:ext uri="{FF2B5EF4-FFF2-40B4-BE49-F238E27FC236}">
+                <a16:creationId xmlns:a16="http://schemas.microsoft.com/office/drawing/2014/main" id="{E732A4CC-42D6-F95B-C0C5-FF2A05D19786}"/>
+              </a:ext>
+            </a:extLst>
+          </p:cNvPr>
+          <p:cNvSpPr>
+            <a:spLocks noGrp="1"/>
+          </p:cNvSpPr>
+          <p:nvPr>
+            <p:ph idx="1"/>
+          </p:nvPr>
+        </p:nvSpPr>
+        <p:spPr>
+          <a:xfrm>
+            <a:off x="838200" y="1825624"/>
+            <a:ext cx="10515600" cy="4267671"/>
+          </a:xfrm>
+        </p:spPr>
+        <p:txBody>
+          <a:bodyPr>
+            <a:normAutofit fontScale="92500" lnSpcReduction="10000"/>
+          </a:bodyPr>
+          <a:lstStyle/>
+          <a:p>
+            <a:r>
+              <a:rPr lang="nl-BE" dirty="0"/>
+              <a:t>Slides gemaakt door </a:t>
+            </a:r>
+          </a:p>
+          <a:p>
+            <a:pPr lvl="1"/>
+            <a:r>
+              <a:rPr lang="nl-BE" dirty="0"/>
+              <a:t>Tim Dams (</a:t>
+            </a:r>
+            <a:r>
+              <a:rPr lang="nl-BE" dirty="0">
+                <a:hlinkClick r:id="rId2" action="ppaction://hlinkfile"/>
+              </a:rPr>
+              <a:t>ziescherp.be</a:t>
+            </a:r>
+            <a:r>
+              <a:rPr lang="nl-BE" dirty="0"/>
+              <a:t>), AP Hogeschool opleidingen elektronica-</a:t>
+            </a:r>
+            <a:r>
+              <a:rPr lang="nl-BE" dirty="0" err="1"/>
+              <a:t>ict</a:t>
+            </a:r>
+            <a:r>
+              <a:rPr lang="nl-BE" dirty="0"/>
+              <a:t> en toegepaste informatica</a:t>
+            </a:r>
+          </a:p>
+          <a:p>
+            <a:pPr lvl="1"/>
+            <a:endParaRPr lang="nl-BE" dirty="0"/>
+          </a:p>
+          <a:p>
+            <a:r>
+              <a:rPr lang="nl-BE" dirty="0"/>
+              <a:t>Sommige slides gebaseerd of gekopieerd van slidedecks van:</a:t>
+            </a:r>
+          </a:p>
+          <a:p>
+            <a:pPr lvl="1"/>
+            <a:r>
+              <a:rPr lang="nl-BE" sz="2200" dirty="0"/>
+              <a:t>Programmeren in C# door Douglas Bell en Mike Parr (vert. Kris Hermans)</a:t>
+            </a:r>
+          </a:p>
+          <a:p>
+            <a:pPr lvl="1"/>
+            <a:r>
+              <a:rPr lang="nl-BE" sz="2200" dirty="0"/>
+              <a:t>Microsoft Visual C# 2015: An </a:t>
+            </a:r>
+            <a:r>
+              <a:rPr lang="nl-BE" sz="2200" dirty="0" err="1"/>
+              <a:t>Introduction</a:t>
+            </a:r>
+            <a:r>
+              <a:rPr lang="nl-BE" sz="2200" dirty="0"/>
+              <a:t> </a:t>
+            </a:r>
+            <a:r>
+              <a:rPr lang="nl-BE" sz="2200" dirty="0" err="1"/>
+              <a:t>to</a:t>
+            </a:r>
+            <a:r>
+              <a:rPr lang="nl-BE" sz="2200" dirty="0"/>
+              <a:t> Object-</a:t>
+            </a:r>
+            <a:r>
+              <a:rPr lang="nl-BE" sz="2200" dirty="0" err="1"/>
+              <a:t>Oriented</a:t>
+            </a:r>
+            <a:r>
+              <a:rPr lang="nl-BE" sz="2200" dirty="0"/>
+              <a:t> Programming door Joyce </a:t>
+            </a:r>
+            <a:r>
+              <a:rPr lang="nl-BE" sz="2200" dirty="0" err="1"/>
+              <a:t>Farrell</a:t>
+            </a:r>
+            <a:endParaRPr lang="nl-BE" sz="2200" dirty="0"/>
+          </a:p>
+          <a:p>
+            <a:pPr lvl="1"/>
+            <a:r>
+              <a:rPr lang="nl-BE" dirty="0"/>
+              <a:t>E.a.</a:t>
+            </a:r>
+          </a:p>
+          <a:p>
+            <a:pPr lvl="1"/>
+            <a:endParaRPr lang="nl-BE" dirty="0"/>
+          </a:p>
+          <a:p>
+            <a:pPr lvl="1"/>
+            <a:endParaRPr lang="nl-BE" dirty="0"/>
+          </a:p>
+          <a:p>
+            <a:r>
+              <a:rPr lang="nl-BE" b="1" dirty="0"/>
+              <a:t>Slides mogen aangepast worden, op voorwaarde dat deze slide steeds achteraan de slidedeck staat.</a:t>
+            </a:r>
+          </a:p>
+        </p:txBody>
+      </p:sp>
+      <p:sp>
+        <p:nvSpPr>
+          <p:cNvPr id="4" name="Tijdelijke aanduiding voor voettekst 3">
+            <a:extLst>
+              <a:ext uri="{FF2B5EF4-FFF2-40B4-BE49-F238E27FC236}">
+                <a16:creationId xmlns:a16="http://schemas.microsoft.com/office/drawing/2014/main" id="{4C3978F3-3532-3F17-E9AB-E248272BA1E3}"/>
+              </a:ext>
+            </a:extLst>
+          </p:cNvPr>
+          <p:cNvSpPr>
+            <a:spLocks noGrp="1"/>
+          </p:cNvSpPr>
+          <p:nvPr>
+            <p:ph type="ftr" sz="quarter" idx="11"/>
+          </p:nvPr>
+        </p:nvSpPr>
+        <p:spPr/>
+        <p:txBody>
+          <a:bodyPr/>
+          <a:lstStyle/>
+          <a:p>
+            <a:r>
+              <a:rPr lang="nl-BE" dirty="0"/>
+              <a:t>Zie Scherp Scherper</a:t>
+            </a:r>
+          </a:p>
+        </p:txBody>
+      </p:sp>
+      <p:sp>
+        <p:nvSpPr>
+          <p:cNvPr id="5" name="Tijdelijke aanduiding voor dianummer 4">
+            <a:extLst>
+              <a:ext uri="{FF2B5EF4-FFF2-40B4-BE49-F238E27FC236}">
+                <a16:creationId xmlns:a16="http://schemas.microsoft.com/office/drawing/2014/main" id="{9769B4E3-C3FC-8575-9CA3-EE3F06738607}"/>
+              </a:ext>
+            </a:extLst>
+          </p:cNvPr>
+          <p:cNvSpPr>
+            <a:spLocks noGrp="1"/>
+          </p:cNvSpPr>
+          <p:nvPr>
+            <p:ph type="sldNum" sz="quarter" idx="12"/>
+          </p:nvPr>
+        </p:nvSpPr>
+        <p:spPr/>
+        <p:txBody>
+          <a:bodyPr/>
+          <a:lstStyle/>
+          <a:p>
+            <a:fld id="{E8A62353-F7CD-46ED-8877-B27D0E33FCF8}" type="slidenum">
+              <a:rPr lang="nl-BE" smtClean="0"/>
+              <a:t>36</a:t>
+            </a:fld>
+            <a:endParaRPr lang="nl-BE"/>
+          </a:p>
+        </p:txBody>
+      </p:sp>
+    </p:spTree>
+    <p:extLst>
+      <p:ext uri="{BB962C8B-B14F-4D97-AF65-F5344CB8AC3E}">
+        <p14:creationId xmlns:p14="http://schemas.microsoft.com/office/powerpoint/2010/main" val="106072752"/>
       </p:ext>
     </p:extLst>
   </p:cSld>
@@ -15998,8 +16295,8 @@
           <a:lstStyle/>
           <a:p>
             <a:r>
-              <a:rPr lang="nl-BE"/>
-              <a:t>Ziescherp</a:t>
+              <a:rPr lang="nl-BE" dirty="0"/>
+              <a:t>Zie Scherp Scherper</a:t>
             </a:r>
           </a:p>
         </p:txBody>
@@ -16605,8 +16902,8 @@
           <a:lstStyle/>
           <a:p>
             <a:r>
-              <a:rPr lang="nl-BE"/>
-              <a:t>Ziescherp</a:t>
+              <a:rPr lang="nl-BE" dirty="0"/>
+              <a:t>Zie Scherp Scherper</a:t>
             </a:r>
           </a:p>
         </p:txBody>
@@ -17111,8 +17408,8 @@
           <a:lstStyle/>
           <a:p>
             <a:r>
-              <a:rPr lang="nl-BE"/>
-              <a:t>Ziescherp</a:t>
+              <a:rPr lang="nl-BE" dirty="0"/>
+              <a:t>Zie Scherp Scherper</a:t>
             </a:r>
           </a:p>
         </p:txBody>
@@ -17535,8 +17832,8 @@
           <a:lstStyle/>
           <a:p>
             <a:r>
-              <a:rPr lang="nl-BE"/>
-              <a:t>Ziescherp</a:t>
+              <a:rPr lang="nl-BE" dirty="0"/>
+              <a:t>Zie Scherp Scherper</a:t>
             </a:r>
           </a:p>
         </p:txBody>
@@ -17763,8 +18060,8 @@
           <a:lstStyle/>
           <a:p>
             <a:r>
-              <a:rPr lang="nl-BE"/>
-              <a:t>Ziescherp</a:t>
+              <a:rPr lang="nl-BE" dirty="0"/>
+              <a:t>Zie Scherp Scherper</a:t>
             </a:r>
           </a:p>
         </p:txBody>
@@ -18025,8 +18322,8 @@
           <a:lstStyle/>
           <a:p>
             <a:r>
-              <a:rPr lang="nl-BE"/>
-              <a:t>Ziescherp</a:t>
+              <a:rPr lang="nl-BE" dirty="0"/>
+              <a:t>Zie Scherp Scherper</a:t>
             </a:r>
           </a:p>
         </p:txBody>
